--- a/Data Driven Framework.pptx
+++ b/Data Driven Framework.pptx
@@ -10,6 +10,8 @@
     <p:sldId id="258" r:id="rId4"/>
     <p:sldId id="259" r:id="rId5"/>
     <p:sldId id="260" r:id="rId6"/>
+    <p:sldId id="261" r:id="rId7"/>
+    <p:sldId id="262" r:id="rId8"/>
   </p:sldIdLst>
   <p:sldSz cx="12192000" cy="6858000"/>
   <p:notesSz cx="6858000" cy="9144000"/>
@@ -108,19 +110,24 @@
       </a:defRPr>
     </a:lvl9pPr>
   </p:defaultTextStyle>
+  <p:extLst>
+    <p:ext uri="{EFAFB233-063F-42B5-8137-9DF3F51BA10A}">
+      <p15:sldGuideLst xmlns:p15="http://schemas.microsoft.com/office/powerpoint/2012/main"/>
+    </p:ext>
+  </p:extLst>
 </p:presentation>
 </file>
 
 <file path=ppt/diagrams/colors1.xml><?xml version="1.0" encoding="utf-8"?>
-<dgm:colorsDef xmlns:dgm="http://schemas.openxmlformats.org/drawingml/2006/diagram" xmlns:a="http://schemas.openxmlformats.org/drawingml/2006/main" uniqueId="urn:microsoft.com/office/officeart/2005/8/colors/colorful5">
+<dgm:colorsDef xmlns:dgm="http://schemas.openxmlformats.org/drawingml/2006/diagram" xmlns:a="http://schemas.openxmlformats.org/drawingml/2006/main" uniqueId="urn:microsoft.com/office/officeart/2005/8/colors/colorful1">
   <dgm:title val=""/>
   <dgm:desc val=""/>
   <dgm:catLst>
-    <dgm:cat type="colorful" pri="10500"/>
+    <dgm:cat type="colorful" pri="10100"/>
   </dgm:catLst>
   <dgm:styleLbl name="node0">
     <dgm:fillClrLst meth="repeat">
-      <a:schemeClr val="accent4"/>
+      <a:schemeClr val="accent1"/>
     </dgm:fillClrLst>
     <dgm:linClrLst meth="repeat">
       <a:schemeClr val="lt1"/>
@@ -131,7 +138,10 @@
     <dgm:txEffectClrLst/>
   </dgm:styleLbl>
   <dgm:styleLbl name="node1">
-    <dgm:fillClrLst>
+    <dgm:fillClrLst meth="repeat">
+      <a:schemeClr val="accent2"/>
+      <a:schemeClr val="accent3"/>
+      <a:schemeClr val="accent4"/>
       <a:schemeClr val="accent5"/>
       <a:schemeClr val="accent6"/>
     </dgm:fillClrLst>
@@ -144,11 +154,17 @@
     <dgm:txEffectClrLst/>
   </dgm:styleLbl>
   <dgm:styleLbl name="alignNode1">
-    <dgm:fillClrLst>
+    <dgm:fillClrLst meth="repeat">
+      <a:schemeClr val="accent2"/>
+      <a:schemeClr val="accent3"/>
+      <a:schemeClr val="accent4"/>
       <a:schemeClr val="accent5"/>
       <a:schemeClr val="accent6"/>
     </dgm:fillClrLst>
-    <dgm:linClrLst>
+    <dgm:linClrLst meth="repeat">
+      <a:schemeClr val="accent2"/>
+      <a:schemeClr val="accent3"/>
+      <a:schemeClr val="accent4"/>
       <a:schemeClr val="accent5"/>
       <a:schemeClr val="accent6"/>
     </dgm:linClrLst>
@@ -158,7 +174,10 @@
     <dgm:txEffectClrLst/>
   </dgm:styleLbl>
   <dgm:styleLbl name="lnNode1">
-    <dgm:fillClrLst>
+    <dgm:fillClrLst meth="repeat">
+      <a:schemeClr val="accent2"/>
+      <a:schemeClr val="accent3"/>
+      <a:schemeClr val="accent4"/>
       <a:schemeClr val="accent5"/>
       <a:schemeClr val="accent6"/>
     </dgm:fillClrLst>
@@ -171,7 +190,16 @@
     <dgm:txEffectClrLst/>
   </dgm:styleLbl>
   <dgm:styleLbl name="vennNode1">
-    <dgm:fillClrLst>
+    <dgm:fillClrLst meth="repeat">
+      <a:schemeClr val="accent2">
+        <a:alpha val="50000"/>
+      </a:schemeClr>
+      <a:schemeClr val="accent3">
+        <a:alpha val="50000"/>
+      </a:schemeClr>
+      <a:schemeClr val="accent4">
+        <a:alpha val="50000"/>
+      </a:schemeClr>
       <a:schemeClr val="accent5">
         <a:alpha val="50000"/>
       </a:schemeClr>
@@ -189,30 +217,6 @@
   </dgm:styleLbl>
   <dgm:styleLbl name="node2">
     <dgm:fillClrLst>
-      <a:schemeClr val="accent6"/>
-    </dgm:fillClrLst>
-    <dgm:linClrLst meth="repeat">
-      <a:schemeClr val="lt1"/>
-    </dgm:linClrLst>
-    <dgm:effectClrLst/>
-    <dgm:txLinClrLst/>
-    <dgm:txFillClrLst/>
-    <dgm:txEffectClrLst/>
-  </dgm:styleLbl>
-  <dgm:styleLbl name="node3">
-    <dgm:fillClrLst>
-      <a:schemeClr val="accent1"/>
-    </dgm:fillClrLst>
-    <dgm:linClrLst meth="repeat">
-      <a:schemeClr val="lt1"/>
-    </dgm:linClrLst>
-    <dgm:effectClrLst/>
-    <dgm:txLinClrLst/>
-    <dgm:txFillClrLst/>
-    <dgm:txEffectClrLst/>
-  </dgm:styleLbl>
-  <dgm:styleLbl name="node4">
-    <dgm:fillClrLst>
       <a:schemeClr val="accent2"/>
     </dgm:fillClrLst>
     <dgm:linClrLst meth="repeat">
@@ -223,8 +227,41 @@
     <dgm:txFillClrLst/>
     <dgm:txEffectClrLst/>
   </dgm:styleLbl>
+  <dgm:styleLbl name="node3">
+    <dgm:fillClrLst>
+      <a:schemeClr val="accent3"/>
+    </dgm:fillClrLst>
+    <dgm:linClrLst meth="repeat">
+      <a:schemeClr val="lt1"/>
+    </dgm:linClrLst>
+    <dgm:effectClrLst/>
+    <dgm:txLinClrLst/>
+    <dgm:txFillClrLst/>
+    <dgm:txEffectClrLst/>
+  </dgm:styleLbl>
+  <dgm:styleLbl name="node4">
+    <dgm:fillClrLst>
+      <a:schemeClr val="accent4"/>
+    </dgm:fillClrLst>
+    <dgm:linClrLst meth="repeat">
+      <a:schemeClr val="lt1"/>
+    </dgm:linClrLst>
+    <dgm:effectClrLst/>
+    <dgm:txLinClrLst/>
+    <dgm:txFillClrLst/>
+    <dgm:txEffectClrLst/>
+  </dgm:styleLbl>
   <dgm:styleLbl name="fgImgPlace1">
-    <dgm:fillClrLst>
+    <dgm:fillClrLst meth="repeat">
+      <a:schemeClr val="accent2">
+        <a:tint val="50000"/>
+      </a:schemeClr>
+      <a:schemeClr val="accent3">
+        <a:tint val="50000"/>
+      </a:schemeClr>
+      <a:schemeClr val="accent4">
+        <a:tint val="50000"/>
+      </a:schemeClr>
       <a:schemeClr val="accent5">
         <a:tint val="50000"/>
       </a:schemeClr>
@@ -244,10 +281,10 @@
   </dgm:styleLbl>
   <dgm:styleLbl name="alignImgPlace1">
     <dgm:fillClrLst>
-      <a:schemeClr val="accent5">
+      <a:schemeClr val="accent1">
         <a:tint val="50000"/>
       </a:schemeClr>
-      <a:schemeClr val="accent6">
+      <a:schemeClr val="accent2">
         <a:tint val="20000"/>
       </a:schemeClr>
     </dgm:fillClrLst>
@@ -263,10 +300,10 @@
   </dgm:styleLbl>
   <dgm:styleLbl name="bgImgPlace1">
     <dgm:fillClrLst>
-      <a:schemeClr val="accent5">
+      <a:schemeClr val="accent1">
         <a:tint val="50000"/>
       </a:schemeClr>
-      <a:schemeClr val="accent6">
+      <a:schemeClr val="accent2">
         <a:tint val="20000"/>
       </a:schemeClr>
     </dgm:fillClrLst>
@@ -281,9 +318,98 @@
     <dgm:txEffectClrLst/>
   </dgm:styleLbl>
   <dgm:styleLbl name="sibTrans2D1">
-    <dgm:fillClrLst>
+    <dgm:fillClrLst meth="repeat">
+      <a:schemeClr val="accent2"/>
+      <a:schemeClr val="accent3"/>
+      <a:schemeClr val="accent4"/>
       <a:schemeClr val="accent5"/>
       <a:schemeClr val="accent6"/>
+    </dgm:fillClrLst>
+    <dgm:linClrLst meth="cycle">
+      <a:schemeClr val="lt1"/>
+    </dgm:linClrLst>
+    <dgm:effectClrLst/>
+    <dgm:txLinClrLst/>
+    <dgm:txFillClrLst/>
+    <dgm:txEffectClrLst/>
+  </dgm:styleLbl>
+  <dgm:styleLbl name="fgSibTrans2D1">
+    <dgm:fillClrLst meth="repeat">
+      <a:schemeClr val="accent2"/>
+      <a:schemeClr val="accent3"/>
+      <a:schemeClr val="accent4"/>
+      <a:schemeClr val="accent5"/>
+      <a:schemeClr val="accent6"/>
+    </dgm:fillClrLst>
+    <dgm:linClrLst meth="cycle">
+      <a:schemeClr val="lt1"/>
+    </dgm:linClrLst>
+    <dgm:effectClrLst/>
+    <dgm:txLinClrLst/>
+    <dgm:txFillClrLst meth="repeat">
+      <a:schemeClr val="lt1"/>
+    </dgm:txFillClrLst>
+    <dgm:txEffectClrLst/>
+  </dgm:styleLbl>
+  <dgm:styleLbl name="bgSibTrans2D1">
+    <dgm:fillClrLst meth="repeat">
+      <a:schemeClr val="accent2"/>
+      <a:schemeClr val="accent3"/>
+      <a:schemeClr val="accent4"/>
+      <a:schemeClr val="accent5"/>
+      <a:schemeClr val="accent6"/>
+    </dgm:fillClrLst>
+    <dgm:linClrLst meth="cycle">
+      <a:schemeClr val="lt1"/>
+    </dgm:linClrLst>
+    <dgm:effectClrLst/>
+    <dgm:txLinClrLst/>
+    <dgm:txFillClrLst meth="repeat">
+      <a:schemeClr val="lt1"/>
+    </dgm:txFillClrLst>
+    <dgm:txEffectClrLst/>
+  </dgm:styleLbl>
+  <dgm:styleLbl name="sibTrans1D1">
+    <dgm:fillClrLst meth="repeat">
+      <a:schemeClr val="accent2"/>
+      <a:schemeClr val="accent3"/>
+      <a:schemeClr val="accent4"/>
+      <a:schemeClr val="accent5"/>
+      <a:schemeClr val="accent6"/>
+    </dgm:fillClrLst>
+    <dgm:linClrLst meth="repeat">
+      <a:schemeClr val="accent2"/>
+      <a:schemeClr val="accent3"/>
+      <a:schemeClr val="accent4"/>
+      <a:schemeClr val="accent5"/>
+      <a:schemeClr val="accent6"/>
+    </dgm:linClrLst>
+    <dgm:effectClrLst/>
+    <dgm:txLinClrLst/>
+    <dgm:txFillClrLst meth="repeat">
+      <a:schemeClr val="tx1"/>
+    </dgm:txFillClrLst>
+    <dgm:txEffectClrLst/>
+  </dgm:styleLbl>
+  <dgm:styleLbl name="callout">
+    <dgm:fillClrLst meth="repeat">
+      <a:schemeClr val="accent2"/>
+    </dgm:fillClrLst>
+    <dgm:linClrLst meth="repeat">
+      <a:schemeClr val="accent2">
+        <a:tint val="50000"/>
+      </a:schemeClr>
+    </dgm:linClrLst>
+    <dgm:effectClrLst/>
+    <dgm:txLinClrLst/>
+    <dgm:txFillClrLst meth="repeat">
+      <a:schemeClr val="tx1"/>
+    </dgm:txFillClrLst>
+    <dgm:txEffectClrLst/>
+  </dgm:styleLbl>
+  <dgm:styleLbl name="asst0">
+    <dgm:fillClrLst meth="repeat">
+      <a:schemeClr val="accent1"/>
     </dgm:fillClrLst>
     <dgm:linClrLst meth="repeat">
       <a:schemeClr val="lt1"/>
@@ -293,10 +419,57 @@
     <dgm:txFillClrLst/>
     <dgm:txEffectClrLst/>
   </dgm:styleLbl>
-  <dgm:styleLbl name="fgSibTrans2D1">
+  <dgm:styleLbl name="asst1">
+    <dgm:fillClrLst meth="repeat">
+      <a:schemeClr val="accent2"/>
+    </dgm:fillClrLst>
+    <dgm:linClrLst meth="repeat">
+      <a:schemeClr val="lt1"/>
+    </dgm:linClrLst>
+    <dgm:effectClrLst/>
+    <dgm:txLinClrLst/>
+    <dgm:txFillClrLst/>
+    <dgm:txEffectClrLst/>
+  </dgm:styleLbl>
+  <dgm:styleLbl name="asst2">
+    <dgm:fillClrLst>
+      <a:schemeClr val="accent3"/>
+    </dgm:fillClrLst>
+    <dgm:linClrLst meth="repeat">
+      <a:schemeClr val="lt1"/>
+    </dgm:linClrLst>
+    <dgm:effectClrLst/>
+    <dgm:txLinClrLst/>
+    <dgm:txFillClrLst/>
+    <dgm:txEffectClrLst/>
+  </dgm:styleLbl>
+  <dgm:styleLbl name="asst3">
+    <dgm:fillClrLst>
+      <a:schemeClr val="accent4"/>
+    </dgm:fillClrLst>
+    <dgm:linClrLst meth="repeat">
+      <a:schemeClr val="lt1"/>
+    </dgm:linClrLst>
+    <dgm:effectClrLst/>
+    <dgm:txLinClrLst/>
+    <dgm:txFillClrLst/>
+    <dgm:txEffectClrLst/>
+  </dgm:styleLbl>
+  <dgm:styleLbl name="asst4">
     <dgm:fillClrLst>
       <a:schemeClr val="accent5"/>
-      <a:schemeClr val="accent6"/>
+    </dgm:fillClrLst>
+    <dgm:linClrLst meth="repeat">
+      <a:schemeClr val="lt1"/>
+    </dgm:linClrLst>
+    <dgm:effectClrLst/>
+    <dgm:txLinClrLst/>
+    <dgm:txFillClrLst/>
+    <dgm:txEffectClrLst/>
+  </dgm:styleLbl>
+  <dgm:styleLbl name="parChTrans2D1">
+    <dgm:fillClrLst meth="repeat">
+      <a:schemeClr val="accent2"/>
     </dgm:fillClrLst>
     <dgm:linClrLst meth="repeat">
       <a:schemeClr val="lt1"/>
@@ -308,104 +481,8 @@
     </dgm:txFillClrLst>
     <dgm:txEffectClrLst/>
   </dgm:styleLbl>
-  <dgm:styleLbl name="bgSibTrans2D1">
-    <dgm:fillClrLst>
-      <a:schemeClr val="accent5"/>
-      <a:schemeClr val="accent6"/>
-    </dgm:fillClrLst>
-    <dgm:linClrLst meth="repeat">
-      <a:schemeClr val="lt1"/>
-    </dgm:linClrLst>
-    <dgm:effectClrLst/>
-    <dgm:txLinClrLst/>
-    <dgm:txFillClrLst meth="repeat">
-      <a:schemeClr val="lt1"/>
-    </dgm:txFillClrLst>
-    <dgm:txEffectClrLst/>
-  </dgm:styleLbl>
-  <dgm:styleLbl name="sibTrans1D1">
-    <dgm:fillClrLst/>
-    <dgm:linClrLst>
-      <a:schemeClr val="accent5"/>
-      <a:schemeClr val="accent6"/>
-    </dgm:linClrLst>
-    <dgm:effectClrLst/>
-    <dgm:txLinClrLst/>
-    <dgm:txFillClrLst meth="repeat">
-      <a:schemeClr val="tx1"/>
-    </dgm:txFillClrLst>
-    <dgm:txEffectClrLst/>
-  </dgm:styleLbl>
-  <dgm:styleLbl name="callout">
+  <dgm:styleLbl name="parChTrans2D2">
     <dgm:fillClrLst meth="repeat">
-      <a:schemeClr val="accent5"/>
-    </dgm:fillClrLst>
-    <dgm:linClrLst meth="repeat">
-      <a:schemeClr val="accent5">
-        <a:tint val="50000"/>
-      </a:schemeClr>
-    </dgm:linClrLst>
-    <dgm:effectClrLst/>
-    <dgm:txLinClrLst/>
-    <dgm:txFillClrLst meth="repeat">
-      <a:schemeClr val="tx1"/>
-    </dgm:txFillClrLst>
-    <dgm:txEffectClrLst/>
-  </dgm:styleLbl>
-  <dgm:styleLbl name="asst0">
-    <dgm:fillClrLst meth="repeat">
-      <a:schemeClr val="accent5"/>
-    </dgm:fillClrLst>
-    <dgm:linClrLst meth="repeat">
-      <a:schemeClr val="lt1">
-        <a:shade val="80000"/>
-      </a:schemeClr>
-    </dgm:linClrLst>
-    <dgm:effectClrLst/>
-    <dgm:txLinClrLst/>
-    <dgm:txFillClrLst/>
-    <dgm:txEffectClrLst/>
-  </dgm:styleLbl>
-  <dgm:styleLbl name="asst1">
-    <dgm:fillClrLst meth="repeat">
-      <a:schemeClr val="accent6"/>
-    </dgm:fillClrLst>
-    <dgm:linClrLst meth="repeat">
-      <a:schemeClr val="lt1">
-        <a:shade val="80000"/>
-      </a:schemeClr>
-    </dgm:linClrLst>
-    <dgm:effectClrLst/>
-    <dgm:txLinClrLst/>
-    <dgm:txFillClrLst/>
-    <dgm:txEffectClrLst/>
-  </dgm:styleLbl>
-  <dgm:styleLbl name="asst2">
-    <dgm:fillClrLst>
-      <a:schemeClr val="accent1"/>
-    </dgm:fillClrLst>
-    <dgm:linClrLst meth="repeat">
-      <a:schemeClr val="lt1"/>
-    </dgm:linClrLst>
-    <dgm:effectClrLst/>
-    <dgm:txLinClrLst/>
-    <dgm:txFillClrLst/>
-    <dgm:txEffectClrLst/>
-  </dgm:styleLbl>
-  <dgm:styleLbl name="asst3">
-    <dgm:fillClrLst>
-      <a:schemeClr val="accent2"/>
-    </dgm:fillClrLst>
-    <dgm:linClrLst meth="repeat">
-      <a:schemeClr val="lt1"/>
-    </dgm:linClrLst>
-    <dgm:effectClrLst/>
-    <dgm:txLinClrLst/>
-    <dgm:txFillClrLst/>
-    <dgm:txEffectClrLst/>
-  </dgm:styleLbl>
-  <dgm:styleLbl name="asst4">
-    <dgm:fillClrLst>
       <a:schemeClr val="accent3"/>
     </dgm:fillClrLst>
     <dgm:linClrLst meth="repeat">
@@ -416,7 +493,19 @@
     <dgm:txFillClrLst/>
     <dgm:txEffectClrLst/>
   </dgm:styleLbl>
-  <dgm:styleLbl name="parChTrans2D1">
+  <dgm:styleLbl name="parChTrans2D3">
+    <dgm:fillClrLst meth="repeat">
+      <a:schemeClr val="accent4"/>
+    </dgm:fillClrLst>
+    <dgm:linClrLst meth="repeat">
+      <a:schemeClr val="lt1"/>
+    </dgm:linClrLst>
+    <dgm:effectClrLst/>
+    <dgm:txLinClrLst/>
+    <dgm:txFillClrLst/>
+    <dgm:txEffectClrLst/>
+  </dgm:styleLbl>
+  <dgm:styleLbl name="parChTrans2D4">
     <dgm:fillClrLst meth="repeat">
       <a:schemeClr val="accent5"/>
     </dgm:fillClrLst>
@@ -430,79 +519,9 @@
     </dgm:txFillClrLst>
     <dgm:txEffectClrLst/>
   </dgm:styleLbl>
-  <dgm:styleLbl name="parChTrans2D2">
-    <dgm:fillClrLst meth="repeat">
-      <a:schemeClr val="accent6"/>
-    </dgm:fillClrLst>
-    <dgm:linClrLst meth="repeat">
-      <a:schemeClr val="lt1"/>
-    </dgm:linClrLst>
-    <dgm:effectClrLst/>
-    <dgm:txLinClrLst/>
-    <dgm:txFillClrLst/>
-    <dgm:txEffectClrLst/>
-  </dgm:styleLbl>
-  <dgm:styleLbl name="parChTrans2D3">
-    <dgm:fillClrLst meth="repeat">
-      <a:schemeClr val="accent6"/>
-    </dgm:fillClrLst>
-    <dgm:linClrLst meth="repeat">
-      <a:schemeClr val="lt1"/>
-    </dgm:linClrLst>
-    <dgm:effectClrLst/>
-    <dgm:txLinClrLst/>
-    <dgm:txFillClrLst/>
-    <dgm:txEffectClrLst/>
-  </dgm:styleLbl>
-  <dgm:styleLbl name="parChTrans2D4">
-    <dgm:fillClrLst meth="repeat">
-      <a:schemeClr val="accent1"/>
-    </dgm:fillClrLst>
-    <dgm:linClrLst meth="repeat">
-      <a:schemeClr val="lt1"/>
-    </dgm:linClrLst>
-    <dgm:effectClrLst/>
-    <dgm:txLinClrLst/>
-    <dgm:txFillClrLst meth="repeat">
-      <a:schemeClr val="lt1"/>
-    </dgm:txFillClrLst>
-    <dgm:txEffectClrLst/>
-  </dgm:styleLbl>
   <dgm:styleLbl name="parChTrans1D1">
     <dgm:fillClrLst meth="repeat">
-      <a:schemeClr val="accent5"/>
-    </dgm:fillClrLst>
-    <dgm:linClrLst meth="repeat">
-      <a:schemeClr val="accent5"/>
-    </dgm:linClrLst>
-    <dgm:effectClrLst/>
-    <dgm:txLinClrLst/>
-    <dgm:txFillClrLst meth="repeat">
-      <a:schemeClr val="tx1"/>
-    </dgm:txFillClrLst>
-    <dgm:txEffectClrLst/>
-  </dgm:styleLbl>
-  <dgm:styleLbl name="parChTrans1D2">
-    <dgm:fillClrLst meth="repeat">
-      <a:schemeClr val="accent6">
-        <a:tint val="90000"/>
-      </a:schemeClr>
-    </dgm:fillClrLst>
-    <dgm:linClrLst meth="repeat">
-      <a:schemeClr val="accent6"/>
-    </dgm:linClrLst>
-    <dgm:effectClrLst/>
-    <dgm:txLinClrLst/>
-    <dgm:txFillClrLst meth="repeat">
-      <a:schemeClr val="tx1"/>
-    </dgm:txFillClrLst>
-    <dgm:txEffectClrLst/>
-  </dgm:styleLbl>
-  <dgm:styleLbl name="parChTrans1D3">
-    <dgm:fillClrLst meth="repeat">
-      <a:schemeClr val="accent6">
-        <a:tint val="70000"/>
-      </a:schemeClr>
+      <a:schemeClr val="accent2"/>
     </dgm:fillClrLst>
     <dgm:linClrLst meth="repeat">
       <a:schemeClr val="accent1"/>
@@ -514,10 +533,10 @@
     </dgm:txFillClrLst>
     <dgm:txEffectClrLst/>
   </dgm:styleLbl>
-  <dgm:styleLbl name="parChTrans1D4">
+  <dgm:styleLbl name="parChTrans1D2">
     <dgm:fillClrLst meth="repeat">
-      <a:schemeClr val="accent6">
-        <a:tint val="50000"/>
+      <a:schemeClr val="accent3">
+        <a:tint val="90000"/>
       </a:schemeClr>
     </dgm:fillClrLst>
     <dgm:linClrLst meth="repeat">
@@ -530,13 +549,48 @@
     </dgm:txFillClrLst>
     <dgm:txEffectClrLst/>
   </dgm:styleLbl>
+  <dgm:styleLbl name="parChTrans1D3">
+    <dgm:fillClrLst meth="repeat">
+      <a:schemeClr val="accent4">
+        <a:tint val="70000"/>
+      </a:schemeClr>
+    </dgm:fillClrLst>
+    <dgm:linClrLst meth="repeat">
+      <a:schemeClr val="accent3"/>
+    </dgm:linClrLst>
+    <dgm:effectClrLst/>
+    <dgm:txLinClrLst/>
+    <dgm:txFillClrLst meth="repeat">
+      <a:schemeClr val="tx1"/>
+    </dgm:txFillClrLst>
+    <dgm:txEffectClrLst/>
+  </dgm:styleLbl>
+  <dgm:styleLbl name="parChTrans1D4">
+    <dgm:fillClrLst meth="repeat">
+      <a:schemeClr val="accent5">
+        <a:tint val="50000"/>
+      </a:schemeClr>
+    </dgm:fillClrLst>
+    <dgm:linClrLst meth="repeat">
+      <a:schemeClr val="accent4"/>
+    </dgm:linClrLst>
+    <dgm:effectClrLst/>
+    <dgm:txLinClrLst/>
+    <dgm:txFillClrLst meth="repeat">
+      <a:schemeClr val="tx1"/>
+    </dgm:txFillClrLst>
+    <dgm:txEffectClrLst/>
+  </dgm:styleLbl>
   <dgm:styleLbl name="fgAcc1">
     <dgm:fillClrLst meth="repeat">
       <a:schemeClr val="lt1">
         <a:alpha val="90000"/>
       </a:schemeClr>
     </dgm:fillClrLst>
-    <dgm:linClrLst>
+    <dgm:linClrLst meth="repeat">
+      <a:schemeClr val="accent2"/>
+      <a:schemeClr val="accent3"/>
+      <a:schemeClr val="accent4"/>
       <a:schemeClr val="accent5"/>
       <a:schemeClr val="accent6"/>
     </dgm:linClrLst>
@@ -553,7 +607,10 @@
         <a:alpha val="90000"/>
       </a:schemeClr>
     </dgm:fillClrLst>
-    <dgm:linClrLst>
+    <dgm:linClrLst meth="repeat">
+      <a:schemeClr val="accent2"/>
+      <a:schemeClr val="accent3"/>
+      <a:schemeClr val="accent4"/>
       <a:schemeClr val="accent5"/>
       <a:schemeClr val="accent6"/>
     </dgm:linClrLst>
@@ -570,7 +627,10 @@
         <a:alpha val="90000"/>
       </a:schemeClr>
     </dgm:fillClrLst>
-    <dgm:linClrLst>
+    <dgm:linClrLst meth="repeat">
+      <a:schemeClr val="accent2"/>
+      <a:schemeClr val="accent3"/>
+      <a:schemeClr val="accent4"/>
       <a:schemeClr val="accent5"/>
       <a:schemeClr val="accent6"/>
     </dgm:linClrLst>
@@ -588,7 +648,7 @@
       </a:schemeClr>
     </dgm:fillClrLst>
     <dgm:linClrLst meth="repeat">
-      <a:schemeClr val="accent5"/>
+      <a:schemeClr val="accent1"/>
     </dgm:linClrLst>
     <dgm:effectClrLst/>
     <dgm:txLinClrLst/>
@@ -603,7 +663,10 @@
         <a:alpha val="90000"/>
       </a:schemeClr>
     </dgm:fillClrLst>
-    <dgm:linClrLst>
+    <dgm:linClrLst meth="repeat">
+      <a:schemeClr val="accent2"/>
+      <a:schemeClr val="accent3"/>
+      <a:schemeClr val="accent4"/>
       <a:schemeClr val="accent5"/>
       <a:schemeClr val="accent6"/>
     </dgm:linClrLst>
@@ -618,7 +681,10 @@
     <dgm:fillClrLst meth="repeat">
       <a:schemeClr val="lt1"/>
     </dgm:fillClrLst>
-    <dgm:linClrLst>
+    <dgm:linClrLst meth="repeat">
+      <a:schemeClr val="accent2"/>
+      <a:schemeClr val="accent3"/>
+      <a:schemeClr val="accent4"/>
       <a:schemeClr val="accent5"/>
       <a:schemeClr val="accent6"/>
     </dgm:linClrLst>
@@ -633,7 +699,10 @@
     <dgm:fillClrLst meth="repeat">
       <a:schemeClr val="lt1"/>
     </dgm:fillClrLst>
-    <dgm:linClrLst>
+    <dgm:linClrLst meth="repeat">
+      <a:schemeClr val="accent2"/>
+      <a:schemeClr val="accent3"/>
+      <a:schemeClr val="accent4"/>
       <a:schemeClr val="accent5"/>
       <a:schemeClr val="accent6"/>
     </dgm:linClrLst>
@@ -648,7 +717,10 @@
     <dgm:fillClrLst meth="repeat">
       <a:schemeClr val="lt1"/>
     </dgm:fillClrLst>
-    <dgm:linClrLst>
+    <dgm:linClrLst meth="repeat">
+      <a:schemeClr val="accent2"/>
+      <a:schemeClr val="accent3"/>
+      <a:schemeClr val="accent4"/>
       <a:schemeClr val="accent5"/>
       <a:schemeClr val="accent6"/>
     </dgm:linClrLst>
@@ -660,7 +732,19 @@
     <dgm:txEffectClrLst/>
   </dgm:styleLbl>
   <dgm:styleLbl name="fgAccFollowNode1">
-    <dgm:fillClrLst>
+    <dgm:fillClrLst meth="repeat">
+      <a:schemeClr val="accent2">
+        <a:tint val="40000"/>
+        <a:alpha val="90000"/>
+      </a:schemeClr>
+      <a:schemeClr val="accent3">
+        <a:tint val="40000"/>
+        <a:alpha val="90000"/>
+      </a:schemeClr>
+      <a:schemeClr val="accent4">
+        <a:tint val="40000"/>
+        <a:alpha val="90000"/>
+      </a:schemeClr>
       <a:schemeClr val="accent5">
         <a:tint val="40000"/>
         <a:alpha val="90000"/>
@@ -670,35 +754,19 @@
         <a:alpha val="90000"/>
       </a:schemeClr>
     </dgm:fillClrLst>
-    <dgm:linClrLst>
-      <a:schemeClr val="accent5">
+    <dgm:linClrLst meth="repeat">
+      <a:schemeClr val="accent2">
         <a:tint val="40000"/>
         <a:alpha val="90000"/>
       </a:schemeClr>
-      <a:schemeClr val="accent5">
+      <a:schemeClr val="accent3">
         <a:tint val="40000"/>
         <a:alpha val="90000"/>
       </a:schemeClr>
-    </dgm:linClrLst>
-    <dgm:effectClrLst/>
-    <dgm:txLinClrLst/>
-    <dgm:txFillClrLst meth="repeat">
-      <a:schemeClr val="dk1"/>
-    </dgm:txFillClrLst>
-    <dgm:txEffectClrLst/>
-  </dgm:styleLbl>
-  <dgm:styleLbl name="alignAccFollowNode1">
-    <dgm:fillClrLst>
-      <a:schemeClr val="accent5">
+      <a:schemeClr val="accent4">
         <a:tint val="40000"/>
         <a:alpha val="90000"/>
       </a:schemeClr>
-      <a:schemeClr val="accent6">
-        <a:tint val="40000"/>
-        <a:alpha val="90000"/>
-      </a:schemeClr>
-    </dgm:fillClrLst>
-    <dgm:linClrLst>
       <a:schemeClr val="accent5">
         <a:tint val="40000"/>
         <a:alpha val="90000"/>
@@ -715,8 +783,20 @@
     </dgm:txFillClrLst>
     <dgm:txEffectClrLst/>
   </dgm:styleLbl>
-  <dgm:styleLbl name="bgAccFollowNode1">
-    <dgm:fillClrLst>
+  <dgm:styleLbl name="alignAccFollowNode1">
+    <dgm:fillClrLst meth="repeat">
+      <a:schemeClr val="accent2">
+        <a:tint val="40000"/>
+        <a:alpha val="90000"/>
+      </a:schemeClr>
+      <a:schemeClr val="accent3">
+        <a:tint val="40000"/>
+        <a:alpha val="90000"/>
+      </a:schemeClr>
+      <a:schemeClr val="accent4">
+        <a:tint val="40000"/>
+        <a:alpha val="90000"/>
+      </a:schemeClr>
       <a:schemeClr val="accent5">
         <a:tint val="40000"/>
         <a:alpha val="90000"/>
@@ -726,7 +806,19 @@
         <a:alpha val="90000"/>
       </a:schemeClr>
     </dgm:fillClrLst>
-    <dgm:linClrLst>
+    <dgm:linClrLst meth="repeat">
+      <a:schemeClr val="accent2">
+        <a:tint val="40000"/>
+        <a:alpha val="90000"/>
+      </a:schemeClr>
+      <a:schemeClr val="accent3">
+        <a:tint val="40000"/>
+        <a:alpha val="90000"/>
+      </a:schemeClr>
+      <a:schemeClr val="accent4">
+        <a:tint val="40000"/>
+        <a:alpha val="90000"/>
+      </a:schemeClr>
       <a:schemeClr val="accent5">
         <a:tint val="40000"/>
         <a:alpha val="90000"/>
@@ -743,7 +835,107 @@
     </dgm:txFillClrLst>
     <dgm:txEffectClrLst/>
   </dgm:styleLbl>
+  <dgm:styleLbl name="bgAccFollowNode1">
+    <dgm:fillClrLst meth="repeat">
+      <a:schemeClr val="accent2">
+        <a:tint val="40000"/>
+        <a:alpha val="90000"/>
+      </a:schemeClr>
+      <a:schemeClr val="accent3">
+        <a:tint val="40000"/>
+        <a:alpha val="90000"/>
+      </a:schemeClr>
+      <a:schemeClr val="accent4">
+        <a:tint val="40000"/>
+        <a:alpha val="90000"/>
+      </a:schemeClr>
+      <a:schemeClr val="accent5">
+        <a:tint val="40000"/>
+        <a:alpha val="90000"/>
+      </a:schemeClr>
+      <a:schemeClr val="accent6">
+        <a:tint val="40000"/>
+        <a:alpha val="90000"/>
+      </a:schemeClr>
+    </dgm:fillClrLst>
+    <dgm:linClrLst meth="repeat">
+      <a:schemeClr val="accent2">
+        <a:tint val="40000"/>
+        <a:alpha val="90000"/>
+      </a:schemeClr>
+      <a:schemeClr val="accent3">
+        <a:tint val="40000"/>
+        <a:alpha val="90000"/>
+      </a:schemeClr>
+      <a:schemeClr val="accent4">
+        <a:tint val="40000"/>
+        <a:alpha val="90000"/>
+      </a:schemeClr>
+      <a:schemeClr val="accent5">
+        <a:tint val="40000"/>
+        <a:alpha val="90000"/>
+      </a:schemeClr>
+      <a:schemeClr val="accent6">
+        <a:tint val="40000"/>
+        <a:alpha val="90000"/>
+      </a:schemeClr>
+    </dgm:linClrLst>
+    <dgm:effectClrLst/>
+    <dgm:txLinClrLst/>
+    <dgm:txFillClrLst meth="repeat">
+      <a:schemeClr val="dk1"/>
+    </dgm:txFillClrLst>
+    <dgm:txEffectClrLst/>
+  </dgm:styleLbl>
   <dgm:styleLbl name="fgAcc0">
+    <dgm:fillClrLst meth="repeat">
+      <a:schemeClr val="lt1">
+        <a:alpha val="90000"/>
+      </a:schemeClr>
+    </dgm:fillClrLst>
+    <dgm:linClrLst>
+      <a:schemeClr val="accent1"/>
+    </dgm:linClrLst>
+    <dgm:effectClrLst/>
+    <dgm:txLinClrLst/>
+    <dgm:txFillClrLst meth="repeat">
+      <a:schemeClr val="dk1"/>
+    </dgm:txFillClrLst>
+    <dgm:txEffectClrLst/>
+  </dgm:styleLbl>
+  <dgm:styleLbl name="fgAcc2">
+    <dgm:fillClrLst meth="repeat">
+      <a:schemeClr val="lt1">
+        <a:alpha val="90000"/>
+      </a:schemeClr>
+    </dgm:fillClrLst>
+    <dgm:linClrLst>
+      <a:schemeClr val="accent2"/>
+    </dgm:linClrLst>
+    <dgm:effectClrLst/>
+    <dgm:txLinClrLst/>
+    <dgm:txFillClrLst meth="repeat">
+      <a:schemeClr val="dk1"/>
+    </dgm:txFillClrLst>
+    <dgm:txEffectClrLst/>
+  </dgm:styleLbl>
+  <dgm:styleLbl name="fgAcc3">
+    <dgm:fillClrLst meth="repeat">
+      <a:schemeClr val="lt1">
+        <a:alpha val="90000"/>
+      </a:schemeClr>
+    </dgm:fillClrLst>
+    <dgm:linClrLst>
+      <a:schemeClr val="accent3"/>
+    </dgm:linClrLst>
+    <dgm:effectClrLst/>
+    <dgm:txLinClrLst/>
+    <dgm:txFillClrLst meth="repeat">
+      <a:schemeClr val="dk1"/>
+    </dgm:txFillClrLst>
+    <dgm:txEffectClrLst/>
+  </dgm:styleLbl>
+  <dgm:styleLbl name="fgAcc4">
     <dgm:fillClrLst meth="repeat">
       <a:schemeClr val="lt1">
         <a:alpha val="90000"/>
@@ -759,57 +951,9 @@
     </dgm:txFillClrLst>
     <dgm:txEffectClrLst/>
   </dgm:styleLbl>
-  <dgm:styleLbl name="fgAcc2">
-    <dgm:fillClrLst meth="repeat">
-      <a:schemeClr val="lt1">
-        <a:alpha val="90000"/>
-      </a:schemeClr>
-    </dgm:fillClrLst>
-    <dgm:linClrLst>
-      <a:schemeClr val="accent6"/>
-    </dgm:linClrLst>
-    <dgm:effectClrLst/>
-    <dgm:txLinClrLst/>
-    <dgm:txFillClrLst meth="repeat">
-      <a:schemeClr val="dk1"/>
-    </dgm:txFillClrLst>
-    <dgm:txEffectClrLst/>
-  </dgm:styleLbl>
-  <dgm:styleLbl name="fgAcc3">
-    <dgm:fillClrLst meth="repeat">
-      <a:schemeClr val="lt1">
-        <a:alpha val="90000"/>
-      </a:schemeClr>
-    </dgm:fillClrLst>
-    <dgm:linClrLst>
-      <a:schemeClr val="accent1"/>
-    </dgm:linClrLst>
-    <dgm:effectClrLst/>
-    <dgm:txLinClrLst/>
-    <dgm:txFillClrLst meth="repeat">
-      <a:schemeClr val="dk1"/>
-    </dgm:txFillClrLst>
-    <dgm:txEffectClrLst/>
-  </dgm:styleLbl>
-  <dgm:styleLbl name="fgAcc4">
-    <dgm:fillClrLst meth="repeat">
-      <a:schemeClr val="lt1">
-        <a:alpha val="90000"/>
-      </a:schemeClr>
-    </dgm:fillClrLst>
-    <dgm:linClrLst>
-      <a:schemeClr val="accent2"/>
-    </dgm:linClrLst>
-    <dgm:effectClrLst/>
-    <dgm:txLinClrLst/>
-    <dgm:txFillClrLst meth="repeat">
-      <a:schemeClr val="dk1"/>
-    </dgm:txFillClrLst>
-    <dgm:txEffectClrLst/>
-  </dgm:styleLbl>
   <dgm:styleLbl name="bgShp">
     <dgm:fillClrLst meth="repeat">
-      <a:schemeClr val="accent5">
+      <a:schemeClr val="accent2">
         <a:tint val="40000"/>
       </a:schemeClr>
     </dgm:fillClrLst>
@@ -825,7 +969,7 @@
   </dgm:styleLbl>
   <dgm:styleLbl name="dkBgShp">
     <dgm:fillClrLst meth="repeat">
-      <a:schemeClr val="accent5">
+      <a:schemeClr val="accent2">
         <a:shade val="90000"/>
       </a:schemeClr>
     </dgm:fillClrLst>
@@ -841,13 +985,13 @@
   </dgm:styleLbl>
   <dgm:styleLbl name="trBgShp">
     <dgm:fillClrLst meth="repeat">
-      <a:schemeClr val="accent5">
+      <a:schemeClr val="accent1">
         <a:tint val="50000"/>
         <a:alpha val="40000"/>
       </a:schemeClr>
     </dgm:fillClrLst>
     <dgm:linClrLst meth="repeat">
-      <a:schemeClr val="accent5"/>
+      <a:schemeClr val="accent2"/>
     </dgm:linClrLst>
     <dgm:effectClrLst/>
     <dgm:txLinClrLst/>
@@ -858,7 +1002,7 @@
   </dgm:styleLbl>
   <dgm:styleLbl name="fgShp">
     <dgm:fillClrLst meth="repeat">
-      <a:schemeClr val="accent5">
+      <a:schemeClr val="accent2">
         <a:tint val="40000"/>
       </a:schemeClr>
     </dgm:fillClrLst>
@@ -1679,7 +1823,7 @@
 <dgm:dataModel xmlns:dgm="http://schemas.openxmlformats.org/drawingml/2006/diagram" xmlns:a="http://schemas.openxmlformats.org/drawingml/2006/main">
   <dgm:ptLst>
     <dgm:pt modelId="{AF8D49CE-6EA7-4088-BDAD-1E8BAA5A2A92}" type="doc">
-      <dgm:prSet loTypeId="urn:microsoft.com/office/officeart/2005/8/layout/process2" loCatId="process" qsTypeId="urn:microsoft.com/office/officeart/2005/8/quickstyle/simple1" qsCatId="simple" csTypeId="urn:microsoft.com/office/officeart/2005/8/colors/colorful5" csCatId="colorful" phldr="1"/>
+      <dgm:prSet loTypeId="urn:microsoft.com/office/officeart/2005/8/layout/process2" loCatId="process" qsTypeId="urn:microsoft.com/office/officeart/2005/8/quickstyle/simple1" qsCatId="simple" csTypeId="urn:microsoft.com/office/officeart/2005/8/colors/colorful1" csCatId="colorful" phldr="1"/>
       <dgm:spPr/>
     </dgm:pt>
     <dgm:pt modelId="{B2F4E590-E026-498A-A1B2-DAB54F82C6D0}">
@@ -1845,14 +1989,35 @@
         </dgm:presLayoutVars>
       </dgm:prSet>
       <dgm:spPr/>
+      <dgm:t>
+        <a:bodyPr/>
+        <a:lstStyle/>
+        <a:p>
+          <a:endParaRPr lang="en-IN"/>
+        </a:p>
+      </dgm:t>
     </dgm:pt>
     <dgm:pt modelId="{40CF16CF-0E51-4BF6-BFCF-A26D2C504025}" type="pres">
       <dgm:prSet presAssocID="{5D7AFBCF-4657-4C85-B472-9B309840883F}" presName="sibTrans" presStyleLbl="sibTrans2D1" presStyleIdx="0" presStyleCnt="3"/>
       <dgm:spPr/>
+      <dgm:t>
+        <a:bodyPr/>
+        <a:lstStyle/>
+        <a:p>
+          <a:endParaRPr lang="en-IN"/>
+        </a:p>
+      </dgm:t>
     </dgm:pt>
     <dgm:pt modelId="{99B65100-F003-4DB2-9B54-9A9984BC7BA9}" type="pres">
       <dgm:prSet presAssocID="{5D7AFBCF-4657-4C85-B472-9B309840883F}" presName="connectorText" presStyleLbl="sibTrans2D1" presStyleIdx="0" presStyleCnt="3"/>
       <dgm:spPr/>
+      <dgm:t>
+        <a:bodyPr/>
+        <a:lstStyle/>
+        <a:p>
+          <a:endParaRPr lang="en-IN"/>
+        </a:p>
+      </dgm:t>
     </dgm:pt>
     <dgm:pt modelId="{92D79327-F9DA-46CD-A7E0-1D461E9B8586}" type="pres">
       <dgm:prSet presAssocID="{AC872D87-A30B-49FD-96D3-715B229070ED}" presName="node" presStyleLbl="node1" presStyleIdx="1" presStyleCnt="4">
@@ -1861,14 +2026,35 @@
         </dgm:presLayoutVars>
       </dgm:prSet>
       <dgm:spPr/>
+      <dgm:t>
+        <a:bodyPr/>
+        <a:lstStyle/>
+        <a:p>
+          <a:endParaRPr lang="en-IN"/>
+        </a:p>
+      </dgm:t>
     </dgm:pt>
     <dgm:pt modelId="{17021D54-FB82-4D9A-9F45-8CD9D063219F}" type="pres">
       <dgm:prSet presAssocID="{4308D1AB-D6B3-4694-8142-FDF48DECF1C0}" presName="sibTrans" presStyleLbl="sibTrans2D1" presStyleIdx="1" presStyleCnt="3"/>
       <dgm:spPr/>
+      <dgm:t>
+        <a:bodyPr/>
+        <a:lstStyle/>
+        <a:p>
+          <a:endParaRPr lang="en-IN"/>
+        </a:p>
+      </dgm:t>
     </dgm:pt>
     <dgm:pt modelId="{4371D559-A6AC-4AA4-B5CA-73571646FD7B}" type="pres">
       <dgm:prSet presAssocID="{4308D1AB-D6B3-4694-8142-FDF48DECF1C0}" presName="connectorText" presStyleLbl="sibTrans2D1" presStyleIdx="1" presStyleCnt="3"/>
       <dgm:spPr/>
+      <dgm:t>
+        <a:bodyPr/>
+        <a:lstStyle/>
+        <a:p>
+          <a:endParaRPr lang="en-IN"/>
+        </a:p>
+      </dgm:t>
     </dgm:pt>
     <dgm:pt modelId="{1867C0C7-89EF-4C24-8AAC-B0424C661329}" type="pres">
       <dgm:prSet presAssocID="{0E040774-2080-4399-897A-D3782146D5AA}" presName="node" presStyleLbl="node1" presStyleIdx="2" presStyleCnt="4">
@@ -1877,14 +2063,35 @@
         </dgm:presLayoutVars>
       </dgm:prSet>
       <dgm:spPr/>
+      <dgm:t>
+        <a:bodyPr/>
+        <a:lstStyle/>
+        <a:p>
+          <a:endParaRPr lang="en-IN"/>
+        </a:p>
+      </dgm:t>
     </dgm:pt>
     <dgm:pt modelId="{697136FB-7EF8-4D43-991F-55F25361165F}" type="pres">
       <dgm:prSet presAssocID="{84196E99-E4DF-439E-9009-43F4209CBAB8}" presName="sibTrans" presStyleLbl="sibTrans2D1" presStyleIdx="2" presStyleCnt="3"/>
       <dgm:spPr/>
+      <dgm:t>
+        <a:bodyPr/>
+        <a:lstStyle/>
+        <a:p>
+          <a:endParaRPr lang="en-IN"/>
+        </a:p>
+      </dgm:t>
     </dgm:pt>
     <dgm:pt modelId="{57D4E35E-0AC6-403E-8F04-067ADC3F10EE}" type="pres">
       <dgm:prSet presAssocID="{84196E99-E4DF-439E-9009-43F4209CBAB8}" presName="connectorText" presStyleLbl="sibTrans2D1" presStyleIdx="2" presStyleCnt="3"/>
       <dgm:spPr/>
+      <dgm:t>
+        <a:bodyPr/>
+        <a:lstStyle/>
+        <a:p>
+          <a:endParaRPr lang="en-IN"/>
+        </a:p>
+      </dgm:t>
     </dgm:pt>
     <dgm:pt modelId="{1B9F9C87-03EF-4A2A-9194-F11339F99AD8}" type="pres">
       <dgm:prSet presAssocID="{DD0E6740-FD6A-4F22-AA89-16991907F964}" presName="node" presStyleLbl="node1" presStyleIdx="3" presStyleCnt="4">
@@ -1893,6 +2100,13 @@
         </dgm:presLayoutVars>
       </dgm:prSet>
       <dgm:spPr/>
+      <dgm:t>
+        <a:bodyPr/>
+        <a:lstStyle/>
+        <a:p>
+          <a:endParaRPr lang="en-IN"/>
+        </a:p>
+      </dgm:t>
     </dgm:pt>
   </dgm:ptLst>
   <dgm:cxnLst>
@@ -1900,8 +2114,8 @@
     <dgm:cxn modelId="{AF6D33D5-661B-4FD2-A86A-15A1B7CD3FB5}" type="presOf" srcId="{0E040774-2080-4399-897A-D3782146D5AA}" destId="{1867C0C7-89EF-4C24-8AAC-B0424C661329}" srcOrd="0" destOrd="0" presId="urn:microsoft.com/office/officeart/2005/8/layout/process2"/>
     <dgm:cxn modelId="{F7D34B74-C986-4A38-8251-CA5A028A2D46}" type="presOf" srcId="{84196E99-E4DF-439E-9009-43F4209CBAB8}" destId="{697136FB-7EF8-4D43-991F-55F25361165F}" srcOrd="0" destOrd="0" presId="urn:microsoft.com/office/officeart/2005/8/layout/process2"/>
     <dgm:cxn modelId="{F1C931F1-2D9B-4F07-94E2-3E509B6B2DAA}" type="presOf" srcId="{AF8D49CE-6EA7-4088-BDAD-1E8BAA5A2A92}" destId="{231898EB-3506-4552-BB7F-B4D518BD0EEF}" srcOrd="0" destOrd="0" presId="urn:microsoft.com/office/officeart/2005/8/layout/process2"/>
+    <dgm:cxn modelId="{3F67A449-EC4C-4BFD-B1C1-DEBCD962B513}" srcId="{AF8D49CE-6EA7-4088-BDAD-1E8BAA5A2A92}" destId="{B2F4E590-E026-498A-A1B2-DAB54F82C6D0}" srcOrd="0" destOrd="0" parTransId="{332C4E11-66E8-4793-8B34-7683E5D65A73}" sibTransId="{5D7AFBCF-4657-4C85-B472-9B309840883F}"/>
     <dgm:cxn modelId="{0E6B0C87-881E-4086-9CA4-85F8D8C3178F}" type="presOf" srcId="{B2F4E590-E026-498A-A1B2-DAB54F82C6D0}" destId="{07EF623A-2BC7-45E5-ABC2-7DA6EC8A08BE}" srcOrd="0" destOrd="0" presId="urn:microsoft.com/office/officeart/2005/8/layout/process2"/>
-    <dgm:cxn modelId="{3F67A449-EC4C-4BFD-B1C1-DEBCD962B513}" srcId="{AF8D49CE-6EA7-4088-BDAD-1E8BAA5A2A92}" destId="{B2F4E590-E026-498A-A1B2-DAB54F82C6D0}" srcOrd="0" destOrd="0" parTransId="{332C4E11-66E8-4793-8B34-7683E5D65A73}" sibTransId="{5D7AFBCF-4657-4C85-B472-9B309840883F}"/>
     <dgm:cxn modelId="{474BBF18-6591-4B1E-A0DC-E834E3001162}" srcId="{AF8D49CE-6EA7-4088-BDAD-1E8BAA5A2A92}" destId="{AC872D87-A30B-49FD-96D3-715B229070ED}" srcOrd="1" destOrd="0" parTransId="{F6B59402-E4E2-41F5-A56E-276FCD2082D3}" sibTransId="{4308D1AB-D6B3-4694-8142-FDF48DECF1C0}"/>
     <dgm:cxn modelId="{ACCA2FAA-9873-4E89-ABB4-E4CC0824C654}" type="presOf" srcId="{5D7AFBCF-4657-4C85-B472-9B309840883F}" destId="{40CF16CF-0E51-4BF6-BFCF-A26D2C504025}" srcOrd="0" destOrd="0" presId="urn:microsoft.com/office/officeart/2005/8/layout/process2"/>
     <dgm:cxn modelId="{6BBAB68D-15F4-4DF4-9365-490B07C9C7DE}" type="presOf" srcId="{AC872D87-A30B-49FD-96D3-715B229070ED}" destId="{92D79327-F9DA-46CD-A7E0-1D461E9B8586}" srcOrd="0" destOrd="0" presId="urn:microsoft.com/office/officeart/2005/8/layout/process2"/>
@@ -2040,13 +2254,20 @@
         </dgm:presLayoutVars>
       </dgm:prSet>
       <dgm:spPr/>
+      <dgm:t>
+        <a:bodyPr/>
+        <a:lstStyle/>
+        <a:p>
+          <a:endParaRPr lang="en-IN"/>
+        </a:p>
+      </dgm:t>
     </dgm:pt>
     <dgm:pt modelId="{4DC6097E-0E5C-41A3-BCBC-CA29F147CB43}" type="pres">
       <dgm:prSet presAssocID="{9D435AD4-0B3D-488D-B31F-468B3D744B9A}" presName="parTxOnlySpace" presStyleCnt="0"/>
       <dgm:spPr/>
     </dgm:pt>
     <dgm:pt modelId="{B6DEA6FB-FDAF-481D-B0EF-6C1ABA99D77A}" type="pres">
-      <dgm:prSet presAssocID="{ABB73D8A-F947-45A9-A2B9-F4F6347579D2}" presName="parTxOnly" presStyleLbl="node1" presStyleIdx="1" presStyleCnt="2">
+      <dgm:prSet presAssocID="{ABB73D8A-F947-45A9-A2B9-F4F6347579D2}" presName="parTxOnly" presStyleLbl="node1" presStyleIdx="1" presStyleCnt="2" custLinFactNeighborX="11027" custLinFactNeighborY="-33815">
         <dgm:presLayoutVars>
           <dgm:chMax val="0"/>
           <dgm:chPref val="0"/>
@@ -2107,7 +2328,7 @@
           </a:avLst>
         </a:prstGeom>
         <a:solidFill>
-          <a:schemeClr val="accent5">
+          <a:schemeClr val="accent2">
             <a:hueOff val="0"/>
             <a:satOff val="0"/>
             <a:lumOff val="0"/>
@@ -2187,7 +2408,7 @@
           </a:avLst>
         </a:prstGeom>
         <a:solidFill>
-          <a:schemeClr val="accent5">
+          <a:schemeClr val="accent2">
             <a:hueOff val="0"/>
             <a:satOff val="0"/>
             <a:lumOff val="0"/>
@@ -2254,10 +2475,10 @@
           </a:avLst>
         </a:prstGeom>
         <a:solidFill>
-          <a:schemeClr val="accent5">
-            <a:hueOff val="2079079"/>
-            <a:satOff val="-1338"/>
-            <a:lumOff val="915"/>
+          <a:schemeClr val="accent3">
+            <a:hueOff val="0"/>
+            <a:satOff val="0"/>
+            <a:lumOff val="0"/>
             <a:alphaOff val="0"/>
           </a:schemeClr>
         </a:solidFill>
@@ -2334,10 +2555,10 @@
           </a:avLst>
         </a:prstGeom>
         <a:solidFill>
-          <a:schemeClr val="accent5">
-            <a:hueOff val="3118619"/>
-            <a:satOff val="-2006"/>
-            <a:lumOff val="1372"/>
+          <a:schemeClr val="accent3">
+            <a:hueOff val="0"/>
+            <a:satOff val="0"/>
+            <a:lumOff val="0"/>
             <a:alphaOff val="0"/>
           </a:schemeClr>
         </a:solidFill>
@@ -2401,10 +2622,10 @@
           </a:avLst>
         </a:prstGeom>
         <a:solidFill>
-          <a:schemeClr val="accent5">
-            <a:hueOff val="4158159"/>
-            <a:satOff val="-2675"/>
-            <a:lumOff val="1829"/>
+          <a:schemeClr val="accent4">
+            <a:hueOff val="0"/>
+            <a:satOff val="0"/>
+            <a:lumOff val="0"/>
             <a:alphaOff val="0"/>
           </a:schemeClr>
         </a:solidFill>
@@ -2481,10 +2702,10 @@
           </a:avLst>
         </a:prstGeom>
         <a:solidFill>
-          <a:schemeClr val="accent5">
-            <a:hueOff val="6237238"/>
-            <a:satOff val="-4013"/>
-            <a:lumOff val="2744"/>
+          <a:schemeClr val="accent4">
+            <a:hueOff val="0"/>
+            <a:satOff val="0"/>
+            <a:lumOff val="0"/>
             <a:alphaOff val="0"/>
           </a:schemeClr>
         </a:solidFill>
@@ -2549,9 +2770,9 @@
         </a:prstGeom>
         <a:solidFill>
           <a:schemeClr val="accent5">
-            <a:hueOff val="6237238"/>
-            <a:satOff val="-4013"/>
-            <a:lumOff val="2744"/>
+            <a:hueOff val="0"/>
+            <a:satOff val="0"/>
+            <a:lumOff val="0"/>
             <a:alphaOff val="0"/>
           </a:schemeClr>
         </a:solidFill>
@@ -2631,7 +2852,7 @@
       <dsp:spPr>
         <a:xfrm>
           <a:off x="5861" y="0"/>
-          <a:ext cx="3503876" cy="519149"/>
+          <a:ext cx="3503876" cy="799799"/>
         </a:xfrm>
         <a:prstGeom prst="chevron">
           <a:avLst/>
@@ -2672,12 +2893,12 @@
         </a:fontRef>
       </dsp:style>
       <dsp:txBody>
-        <a:bodyPr spcFirstLastPara="0" vert="horz" wrap="square" lIns="64008" tIns="21336" rIns="21336" bIns="21336" numCol="1" spcCol="1270" anchor="ctr" anchorCtr="0">
+        <a:bodyPr spcFirstLastPara="0" vert="horz" wrap="square" lIns="96012" tIns="32004" rIns="32004" bIns="32004" numCol="1" spcCol="1270" anchor="ctr" anchorCtr="0">
           <a:noAutofit/>
         </a:bodyPr>
         <a:lstStyle/>
         <a:p>
-          <a:pPr lvl="0" algn="ctr" defTabSz="711200">
+          <a:pPr lvl="0" algn="ctr" defTabSz="1066800">
             <a:lnSpc>
               <a:spcPct val="90000"/>
             </a:lnSpc>
@@ -2689,15 +2910,15 @@
             </a:spcAft>
           </a:pPr>
           <a:r>
-            <a:rPr lang="en-US" sz="1600" kern="1200" dirty="0" smtClean="0"/>
+            <a:rPr lang="en-US" sz="2400" kern="1200" dirty="0" smtClean="0"/>
             <a:t>File</a:t>
           </a:r>
-          <a:endParaRPr lang="en-IN" sz="1600" kern="1200" dirty="0"/>
+          <a:endParaRPr lang="en-IN" sz="2400" kern="1200" dirty="0"/>
         </a:p>
       </dsp:txBody>
       <dsp:txXfrm>
-        <a:off x="265436" y="0"/>
-        <a:ext cx="2984727" cy="519149"/>
+        <a:off x="405761" y="0"/>
+        <a:ext cx="2704077" cy="799799"/>
       </dsp:txXfrm>
     </dsp:sp>
     <dsp:sp modelId="{B6DEA6FB-FDAF-481D-B0EF-6C1ABA99D77A}">
@@ -2707,8 +2928,8 @@
       </dsp:nvSpPr>
       <dsp:spPr>
         <a:xfrm>
-          <a:off x="3159350" y="0"/>
-          <a:ext cx="3503876" cy="519149"/>
+          <a:off x="3165212" y="0"/>
+          <a:ext cx="3503876" cy="799799"/>
         </a:xfrm>
         <a:prstGeom prst="chevron">
           <a:avLst/>
@@ -2749,12 +2970,12 @@
         </a:fontRef>
       </dsp:style>
       <dsp:txBody>
-        <a:bodyPr spcFirstLastPara="0" vert="horz" wrap="square" lIns="64008" tIns="21336" rIns="21336" bIns="21336" numCol="1" spcCol="1270" anchor="ctr" anchorCtr="0">
+        <a:bodyPr spcFirstLastPara="0" vert="horz" wrap="square" lIns="96012" tIns="32004" rIns="32004" bIns="32004" numCol="1" spcCol="1270" anchor="ctr" anchorCtr="0">
           <a:noAutofit/>
         </a:bodyPr>
         <a:lstStyle/>
         <a:p>
-          <a:pPr lvl="0" algn="ctr" defTabSz="711200">
+          <a:pPr lvl="0" algn="ctr" defTabSz="1066800">
             <a:lnSpc>
               <a:spcPct val="90000"/>
             </a:lnSpc>
@@ -2766,23 +2987,23 @@
             </a:spcAft>
           </a:pPr>
           <a:r>
-            <a:rPr lang="en-US" sz="1600" kern="1200" dirty="0" err="1" smtClean="0"/>
+            <a:rPr lang="en-US" sz="2400" kern="1200" dirty="0" err="1" smtClean="0"/>
             <a:t>FileInputStream</a:t>
           </a:r>
           <a:r>
-            <a:rPr lang="en-US" sz="1600" kern="1200" dirty="0" smtClean="0"/>
+            <a:rPr lang="en-US" sz="2400" kern="1200" dirty="0" smtClean="0"/>
             <a:t> / </a:t>
           </a:r>
           <a:r>
-            <a:rPr lang="en-US" sz="1600" kern="1200" dirty="0" err="1" smtClean="0"/>
+            <a:rPr lang="en-US" sz="2400" kern="1200" dirty="0" err="1" smtClean="0"/>
             <a:t>FileOutputStream</a:t>
           </a:r>
-          <a:endParaRPr lang="en-IN" sz="1600" kern="1200" dirty="0"/>
+          <a:endParaRPr lang="en-IN" sz="2400" kern="1200" dirty="0"/>
         </a:p>
       </dsp:txBody>
       <dsp:txXfrm>
-        <a:off x="3418925" y="0"/>
-        <a:ext cx="2984727" cy="519149"/>
+        <a:off x="3565112" y="0"/>
+        <a:ext cx="2704077" cy="799799"/>
       </dsp:txXfrm>
     </dsp:sp>
   </dsp:spTree>
@@ -5475,7 +5696,7 @@
           <a:p>
             <a:fld id="{B405D095-1CBB-4395-BBA2-EBE5A1CC8813}" type="datetimeFigureOut">
               <a:rPr lang="en-IN" smtClean="0"/>
-              <a:t>09-12-2024</a:t>
+              <a:t>10-12-2024</a:t>
             </a:fld>
             <a:endParaRPr lang="en-IN"/>
           </a:p>
@@ -5750,7 +5971,7 @@
           <a:p>
             <a:fld id="{B405D095-1CBB-4395-BBA2-EBE5A1CC8813}" type="datetimeFigureOut">
               <a:rPr lang="en-IN" smtClean="0"/>
-              <a:t>09-12-2024</a:t>
+              <a:t>10-12-2024</a:t>
             </a:fld>
             <a:endParaRPr lang="en-IN"/>
           </a:p>
@@ -5944,7 +6165,7 @@
           <a:p>
             <a:fld id="{B405D095-1CBB-4395-BBA2-EBE5A1CC8813}" type="datetimeFigureOut">
               <a:rPr lang="en-IN" smtClean="0"/>
-              <a:t>09-12-2024</a:t>
+              <a:t>10-12-2024</a:t>
             </a:fld>
             <a:endParaRPr lang="en-IN"/>
           </a:p>
@@ -6217,7 +6438,7 @@
           <a:p>
             <a:fld id="{B405D095-1CBB-4395-BBA2-EBE5A1CC8813}" type="datetimeFigureOut">
               <a:rPr lang="en-IN" smtClean="0"/>
-              <a:t>09-12-2024</a:t>
+              <a:t>10-12-2024</a:t>
             </a:fld>
             <a:endParaRPr lang="en-IN"/>
           </a:p>
@@ -6558,7 +6779,7 @@
           <a:p>
             <a:fld id="{B405D095-1CBB-4395-BBA2-EBE5A1CC8813}" type="datetimeFigureOut">
               <a:rPr lang="en-IN" smtClean="0"/>
-              <a:t>09-12-2024</a:t>
+              <a:t>10-12-2024</a:t>
             </a:fld>
             <a:endParaRPr lang="en-IN"/>
           </a:p>
@@ -7181,7 +7402,7 @@
           <a:p>
             <a:fld id="{B405D095-1CBB-4395-BBA2-EBE5A1CC8813}" type="datetimeFigureOut">
               <a:rPr lang="en-IN" smtClean="0"/>
-              <a:t>09-12-2024</a:t>
+              <a:t>10-12-2024</a:t>
             </a:fld>
             <a:endParaRPr lang="en-IN"/>
           </a:p>
@@ -8041,7 +8262,7 @@
           <a:p>
             <a:fld id="{B405D095-1CBB-4395-BBA2-EBE5A1CC8813}" type="datetimeFigureOut">
               <a:rPr lang="en-IN" smtClean="0"/>
-              <a:t>09-12-2024</a:t>
+              <a:t>10-12-2024</a:t>
             </a:fld>
             <a:endParaRPr lang="en-IN"/>
           </a:p>
@@ -8211,7 +8432,7 @@
           <a:p>
             <a:fld id="{B405D095-1CBB-4395-BBA2-EBE5A1CC8813}" type="datetimeFigureOut">
               <a:rPr lang="en-IN" smtClean="0"/>
-              <a:t>09-12-2024</a:t>
+              <a:t>10-12-2024</a:t>
             </a:fld>
             <a:endParaRPr lang="en-IN"/>
           </a:p>
@@ -8391,7 +8612,7 @@
           <a:p>
             <a:fld id="{B405D095-1CBB-4395-BBA2-EBE5A1CC8813}" type="datetimeFigureOut">
               <a:rPr lang="en-IN" smtClean="0"/>
-              <a:t>09-12-2024</a:t>
+              <a:t>10-12-2024</a:t>
             </a:fld>
             <a:endParaRPr lang="en-IN"/>
           </a:p>
@@ -8561,7 +8782,7 @@
           <a:p>
             <a:fld id="{B405D095-1CBB-4395-BBA2-EBE5A1CC8813}" type="datetimeFigureOut">
               <a:rPr lang="en-IN" smtClean="0"/>
-              <a:t>09-12-2024</a:t>
+              <a:t>10-12-2024</a:t>
             </a:fld>
             <a:endParaRPr lang="en-IN"/>
           </a:p>
@@ -8808,7 +9029,7 @@
           <a:p>
             <a:fld id="{B405D095-1CBB-4395-BBA2-EBE5A1CC8813}" type="datetimeFigureOut">
               <a:rPr lang="en-IN" smtClean="0"/>
-              <a:t>09-12-2024</a:t>
+              <a:t>10-12-2024</a:t>
             </a:fld>
             <a:endParaRPr lang="en-IN"/>
           </a:p>
@@ -9100,7 +9321,7 @@
           <a:p>
             <a:fld id="{B405D095-1CBB-4395-BBA2-EBE5A1CC8813}" type="datetimeFigureOut">
               <a:rPr lang="en-IN" smtClean="0"/>
-              <a:t>09-12-2024</a:t>
+              <a:t>10-12-2024</a:t>
             </a:fld>
             <a:endParaRPr lang="en-IN"/>
           </a:p>
@@ -9544,7 +9765,7 @@
           <a:p>
             <a:fld id="{B405D095-1CBB-4395-BBA2-EBE5A1CC8813}" type="datetimeFigureOut">
               <a:rPr lang="en-IN" smtClean="0"/>
-              <a:t>09-12-2024</a:t>
+              <a:t>10-12-2024</a:t>
             </a:fld>
             <a:endParaRPr lang="en-IN"/>
           </a:p>
@@ -9662,7 +9883,7 @@
           <a:p>
             <a:fld id="{B405D095-1CBB-4395-BBA2-EBE5A1CC8813}" type="datetimeFigureOut">
               <a:rPr lang="en-IN" smtClean="0"/>
-              <a:t>09-12-2024</a:t>
+              <a:t>10-12-2024</a:t>
             </a:fld>
             <a:endParaRPr lang="en-IN"/>
           </a:p>
@@ -9757,7 +9978,7 @@
           <a:p>
             <a:fld id="{B405D095-1CBB-4395-BBA2-EBE5A1CC8813}" type="datetimeFigureOut">
               <a:rPr lang="en-IN" smtClean="0"/>
-              <a:t>09-12-2024</a:t>
+              <a:t>10-12-2024</a:t>
             </a:fld>
             <a:endParaRPr lang="en-IN"/>
           </a:p>
@@ -10036,7 +10257,7 @@
           <a:p>
             <a:fld id="{B405D095-1CBB-4395-BBA2-EBE5A1CC8813}" type="datetimeFigureOut">
               <a:rPr lang="en-IN" smtClean="0"/>
-              <a:t>09-12-2024</a:t>
+              <a:t>10-12-2024</a:t>
             </a:fld>
             <a:endParaRPr lang="en-IN"/>
           </a:p>
@@ -10311,7 +10532,7 @@
           <a:p>
             <a:fld id="{B405D095-1CBB-4395-BBA2-EBE5A1CC8813}" type="datetimeFigureOut">
               <a:rPr lang="en-IN" smtClean="0"/>
-              <a:t>09-12-2024</a:t>
+              <a:t>10-12-2024</a:t>
             </a:fld>
             <a:endParaRPr lang="en-IN"/>
           </a:p>
@@ -10740,7 +10961,7 @@
           <a:p>
             <a:fld id="{B405D095-1CBB-4395-BBA2-EBE5A1CC8813}" type="datetimeFigureOut">
               <a:rPr lang="en-IN" smtClean="0"/>
-              <a:t>09-12-2024</a:t>
+              <a:t>10-12-2024</a:t>
             </a:fld>
             <a:endParaRPr lang="en-IN"/>
           </a:p>
@@ -11888,13 +12109,64 @@
             </a:r>
             <a:r>
               <a:rPr lang="en-US" dirty="0" smtClean="0"/>
-              <a:t> lecture</a:t>
-            </a:r>
-          </a:p>
-          <a:p>
+              <a:t> </a:t>
+            </a:r>
             <a:r>
               <a:rPr lang="en-US" dirty="0" smtClean="0"/>
-              <a:t>And Unzip / Extract this zip file</a:t>
+              <a:t>lecture (Selenium Jar Files)</a:t>
+            </a:r>
+            <a:endParaRPr lang="en-US" dirty="0" smtClean="0"/>
+          </a:p>
+          <a:p>
+            <a:r>
+              <a:rPr lang="en-US" dirty="0" smtClean="0"/>
+              <a:t>And Unzip / Extract this zip </a:t>
+            </a:r>
+            <a:r>
+              <a:rPr lang="en-US" dirty="0" smtClean="0"/>
+              <a:t>file</a:t>
+            </a:r>
+          </a:p>
+          <a:p>
+            <a:endParaRPr lang="en-US" dirty="0"/>
+          </a:p>
+          <a:p>
+            <a:r>
+              <a:rPr lang="en-US" dirty="0" smtClean="0"/>
+              <a:t>Add (21 files) to the project</a:t>
+            </a:r>
+          </a:p>
+          <a:p>
+            <a:pPr lvl="1"/>
+            <a:r>
+              <a:rPr lang="en-US" dirty="0" smtClean="0"/>
+              <a:t>8 files from root folder</a:t>
+            </a:r>
+          </a:p>
+          <a:p>
+            <a:pPr lvl="1"/>
+            <a:r>
+              <a:rPr lang="en-US" dirty="0" smtClean="0"/>
+              <a:t>6 files from Lib folder</a:t>
+            </a:r>
+          </a:p>
+          <a:p>
+            <a:pPr lvl="1"/>
+            <a:r>
+              <a:rPr lang="en-US" dirty="0" smtClean="0"/>
+              <a:t>7 files from </a:t>
+            </a:r>
+            <a:r>
+              <a:rPr lang="en-US" dirty="0" err="1" smtClean="0"/>
+              <a:t>ooxml</a:t>
+            </a:r>
+            <a:r>
+              <a:rPr lang="en-US" dirty="0" smtClean="0"/>
+              <a:t>-lib </a:t>
+            </a:r>
+            <a:r>
+              <a:rPr lang="en-US" dirty="0" err="1" smtClean="0"/>
+              <a:t>filder</a:t>
             </a:r>
             <a:endParaRPr lang="en-IN" dirty="0"/>
           </a:p>
@@ -11967,7 +12239,7 @@
           <p:nvPr>
             <p:extLst>
               <p:ext uri="{D42A27DB-BD31-4B8C-83A1-F6EECF244321}">
-                <p14:modId xmlns:p14="http://schemas.microsoft.com/office/powerpoint/2010/main" val="2104804476"/>
+                <p14:modId xmlns:p14="http://schemas.microsoft.com/office/powerpoint/2010/main" val="3913052668"/>
               </p:ext>
             </p:extLst>
           </p:nvPr>
@@ -11989,14 +12261,14 @@
           <p:nvPr>
             <p:extLst>
               <p:ext uri="{D42A27DB-BD31-4B8C-83A1-F6EECF244321}">
-                <p14:modId xmlns:p14="http://schemas.microsoft.com/office/powerpoint/2010/main" val="2176840410"/>
+                <p14:modId xmlns:p14="http://schemas.microsoft.com/office/powerpoint/2010/main" val="1299522205"/>
               </p:ext>
             </p:extLst>
           </p:nvPr>
         </p:nvGraphicFramePr>
         <p:xfrm>
-          <a:off x="2049908" y="2123704"/>
-          <a:ext cx="6669089" cy="519149"/>
+          <a:off x="2049908" y="1853248"/>
+          <a:ext cx="6669089" cy="799800"/>
         </p:xfrm>
         <a:graphic>
           <a:graphicData uri="http://schemas.openxmlformats.org/drawingml/2006/diagram">
@@ -12008,6 +12280,400 @@
     <p:extLst>
       <p:ext uri="{BB962C8B-B14F-4D97-AF65-F5344CB8AC3E}">
         <p14:creationId xmlns:p14="http://schemas.microsoft.com/office/powerpoint/2010/main" val="3599315730"/>
+      </p:ext>
+    </p:extLst>
+  </p:cSld>
+  <p:clrMapOvr>
+    <a:masterClrMapping/>
+  </p:clrMapOvr>
+</p:sld>
+</file>
+
+<file path=ppt/slides/slide6.xml><?xml version="1.0" encoding="utf-8"?>
+<p:sld xmlns:a="http://schemas.openxmlformats.org/drawingml/2006/main" xmlns:r="http://schemas.openxmlformats.org/officeDocument/2006/relationships" xmlns:p="http://schemas.openxmlformats.org/presentationml/2006/main">
+  <p:cSld>
+    <p:spTree>
+      <p:nvGrpSpPr>
+        <p:cNvPr id="1" name=""/>
+        <p:cNvGrpSpPr/>
+        <p:nvPr/>
+      </p:nvGrpSpPr>
+      <p:grpSpPr>
+        <a:xfrm>
+          <a:off x="0" y="0"/>
+          <a:ext cx="0" cy="0"/>
+          <a:chOff x="0" y="0"/>
+          <a:chExt cx="0" cy="0"/>
+        </a:xfrm>
+      </p:grpSpPr>
+      <p:sp>
+        <p:nvSpPr>
+          <p:cNvPr id="2" name="Title 1"/>
+          <p:cNvSpPr>
+            <a:spLocks noGrp="1"/>
+          </p:cNvSpPr>
+          <p:nvPr>
+            <p:ph type="title"/>
+          </p:nvPr>
+        </p:nvSpPr>
+        <p:spPr/>
+        <p:txBody>
+          <a:bodyPr/>
+          <a:lstStyle/>
+          <a:p>
+            <a:r>
+              <a:rPr lang="en-US" dirty="0" smtClean="0"/>
+              <a:t>Class Structure</a:t>
+            </a:r>
+            <a:endParaRPr lang="en-IN" dirty="0"/>
+          </a:p>
+        </p:txBody>
+      </p:sp>
+      <p:graphicFrame>
+        <p:nvGraphicFramePr>
+          <p:cNvPr id="4" name="Content Placeholder 3"/>
+          <p:cNvGraphicFramePr>
+            <a:graphicFrameLocks noGrp="1"/>
+          </p:cNvGraphicFramePr>
+          <p:nvPr>
+            <p:ph idx="1"/>
+            <p:extLst>
+              <p:ext uri="{D42A27DB-BD31-4B8C-83A1-F6EECF244321}">
+                <p14:modId xmlns:p14="http://schemas.microsoft.com/office/powerpoint/2010/main" val="2419440328"/>
+              </p:ext>
+            </p:extLst>
+          </p:nvPr>
+        </p:nvGraphicFramePr>
+        <p:xfrm>
+          <a:off x="1103313" y="2052638"/>
+          <a:ext cx="8947150" cy="741680"/>
+        </p:xfrm>
+        <a:graphic>
+          <a:graphicData uri="http://schemas.openxmlformats.org/drawingml/2006/table">
+            <a:tbl>
+              <a:tblPr firstRow="1" bandRow="1">
+                <a:tableStyleId>{5C22544A-7EE6-4342-B048-85BDC9FD1C3A}</a:tableStyleId>
+              </a:tblPr>
+              <a:tblGrid>
+                <a:gridCol w="4473575"/>
+                <a:gridCol w="4473575"/>
+              </a:tblGrid>
+              <a:tr h="370840">
+                <a:tc>
+                  <a:txBody>
+                    <a:bodyPr/>
+                    <a:lstStyle/>
+                    <a:p>
+                      <a:r>
+                        <a:rPr lang="en-US" dirty="0" smtClean="0"/>
+                        <a:t>.</a:t>
+                      </a:r>
+                      <a:r>
+                        <a:rPr lang="en-US" dirty="0" err="1" smtClean="0"/>
+                        <a:t>xlsx</a:t>
+                      </a:r>
+                      <a:endParaRPr lang="en-IN" dirty="0"/>
+                    </a:p>
+                  </a:txBody>
+                  <a:tcPr/>
+                </a:tc>
+                <a:tc>
+                  <a:txBody>
+                    <a:bodyPr/>
+                    <a:lstStyle/>
+                    <a:p>
+                      <a:r>
+                        <a:rPr lang="en-US" dirty="0" smtClean="0"/>
+                        <a:t>.</a:t>
+                      </a:r>
+                      <a:r>
+                        <a:rPr lang="en-US" dirty="0" err="1" smtClean="0"/>
+                        <a:t>xls</a:t>
+                      </a:r>
+                      <a:endParaRPr lang="en-IN" dirty="0"/>
+                    </a:p>
+                  </a:txBody>
+                  <a:tcPr/>
+                </a:tc>
+              </a:tr>
+              <a:tr h="370840">
+                <a:tc>
+                  <a:txBody>
+                    <a:bodyPr/>
+                    <a:lstStyle/>
+                    <a:p>
+                      <a:r>
+                        <a:rPr lang="en-US" dirty="0" smtClean="0"/>
+                        <a:t>XSSF</a:t>
+                      </a:r>
+                      <a:endParaRPr lang="en-IN" dirty="0"/>
+                    </a:p>
+                  </a:txBody>
+                  <a:tcPr/>
+                </a:tc>
+                <a:tc>
+                  <a:txBody>
+                    <a:bodyPr/>
+                    <a:lstStyle/>
+                    <a:p>
+                      <a:r>
+                        <a:rPr lang="en-US" dirty="0" smtClean="0"/>
+                        <a:t>HSSF</a:t>
+                      </a:r>
+                      <a:endParaRPr lang="en-IN" dirty="0"/>
+                    </a:p>
+                  </a:txBody>
+                  <a:tcPr/>
+                </a:tc>
+              </a:tr>
+            </a:tbl>
+          </a:graphicData>
+        </a:graphic>
+      </p:graphicFrame>
+    </p:spTree>
+    <p:extLst>
+      <p:ext uri="{BB962C8B-B14F-4D97-AF65-F5344CB8AC3E}">
+        <p14:creationId xmlns:p14="http://schemas.microsoft.com/office/powerpoint/2010/main" val="3133372013"/>
+      </p:ext>
+    </p:extLst>
+  </p:cSld>
+  <p:clrMapOvr>
+    <a:masterClrMapping/>
+  </p:clrMapOvr>
+</p:sld>
+</file>
+
+<file path=ppt/slides/slide7.xml><?xml version="1.0" encoding="utf-8"?>
+<p:sld xmlns:a="http://schemas.openxmlformats.org/drawingml/2006/main" xmlns:r="http://schemas.openxmlformats.org/officeDocument/2006/relationships" xmlns:p="http://schemas.openxmlformats.org/presentationml/2006/main">
+  <p:cSld>
+    <p:spTree>
+      <p:nvGrpSpPr>
+        <p:cNvPr id="1" name=""/>
+        <p:cNvGrpSpPr/>
+        <p:nvPr/>
+      </p:nvGrpSpPr>
+      <p:grpSpPr>
+        <a:xfrm>
+          <a:off x="0" y="0"/>
+          <a:ext cx="0" cy="0"/>
+          <a:chOff x="0" y="0"/>
+          <a:chExt cx="0" cy="0"/>
+        </a:xfrm>
+      </p:grpSpPr>
+      <p:sp>
+        <p:nvSpPr>
+          <p:cNvPr id="5" name="Rectangle 4"/>
+          <p:cNvSpPr/>
+          <p:nvPr/>
+        </p:nvSpPr>
+        <p:spPr>
+          <a:xfrm>
+            <a:off x="646111" y="1853248"/>
+            <a:ext cx="2547850" cy="4341490"/>
+          </a:xfrm>
+          <a:prstGeom prst="rect">
+            <a:avLst/>
+          </a:prstGeom>
+        </p:spPr>
+        <p:style>
+          <a:lnRef idx="2">
+            <a:schemeClr val="accent1">
+              <a:shade val="50000"/>
+            </a:schemeClr>
+          </a:lnRef>
+          <a:fillRef idx="1">
+            <a:schemeClr val="accent1"/>
+          </a:fillRef>
+          <a:effectRef idx="0">
+            <a:schemeClr val="accent1"/>
+          </a:effectRef>
+          <a:fontRef idx="minor">
+            <a:schemeClr val="lt1"/>
+          </a:fontRef>
+        </p:style>
+        <p:txBody>
+          <a:bodyPr rtlCol="0" anchor="ctr"/>
+          <a:lstStyle/>
+          <a:p>
+            <a:pPr algn="ctr"/>
+            <a:r>
+              <a:rPr lang="en-US" dirty="0" smtClean="0"/>
+              <a:t>Selenium Script</a:t>
+            </a:r>
+          </a:p>
+          <a:p>
+            <a:pPr algn="ctr"/>
+            <a:endParaRPr lang="en-US" dirty="0"/>
+          </a:p>
+          <a:p>
+            <a:pPr algn="ctr"/>
+            <a:r>
+              <a:rPr lang="en-US" dirty="0" smtClean="0"/>
+              <a:t>(Java)</a:t>
+            </a:r>
+            <a:endParaRPr lang="en-IN" dirty="0"/>
+          </a:p>
+        </p:txBody>
+      </p:sp>
+      <p:sp>
+        <p:nvSpPr>
+          <p:cNvPr id="6" name="Rounded Rectangle 5"/>
+          <p:cNvSpPr/>
+          <p:nvPr/>
+        </p:nvSpPr>
+        <p:spPr>
+          <a:xfrm>
+            <a:off x="8963696" y="1853247"/>
+            <a:ext cx="2511380" cy="4341491"/>
+          </a:xfrm>
+          <a:prstGeom prst="roundRect">
+            <a:avLst/>
+          </a:prstGeom>
+        </p:spPr>
+        <p:style>
+          <a:lnRef idx="2">
+            <a:schemeClr val="accent1">
+              <a:shade val="50000"/>
+            </a:schemeClr>
+          </a:lnRef>
+          <a:fillRef idx="1">
+            <a:schemeClr val="accent1"/>
+          </a:fillRef>
+          <a:effectRef idx="0">
+            <a:schemeClr val="accent1"/>
+          </a:effectRef>
+          <a:fontRef idx="minor">
+            <a:schemeClr val="lt1"/>
+          </a:fontRef>
+        </p:style>
+        <p:txBody>
+          <a:bodyPr rtlCol="0" anchor="ctr"/>
+          <a:lstStyle/>
+          <a:p>
+            <a:pPr algn="ctr"/>
+            <a:r>
+              <a:rPr lang="en-US" dirty="0" smtClean="0"/>
+              <a:t>Excel File</a:t>
+            </a:r>
+          </a:p>
+          <a:p>
+            <a:pPr algn="ctr"/>
+            <a:r>
+              <a:rPr lang="en-US" dirty="0" smtClean="0"/>
+              <a:t>(.</a:t>
+            </a:r>
+            <a:r>
+              <a:rPr lang="en-US" dirty="0" err="1" smtClean="0"/>
+              <a:t>xls</a:t>
+            </a:r>
+            <a:r>
+              <a:rPr lang="en-US" dirty="0" smtClean="0"/>
+              <a:t> / .</a:t>
+            </a:r>
+            <a:r>
+              <a:rPr lang="en-US" dirty="0" err="1" smtClean="0"/>
+              <a:t>xlsx</a:t>
+            </a:r>
+            <a:r>
+              <a:rPr lang="en-US" dirty="0" smtClean="0"/>
+              <a:t>)</a:t>
+            </a:r>
+            <a:endParaRPr lang="en-IN" dirty="0"/>
+          </a:p>
+        </p:txBody>
+      </p:sp>
+      <p:sp>
+        <p:nvSpPr>
+          <p:cNvPr id="10" name="Right Arrow 9"/>
+          <p:cNvSpPr/>
+          <p:nvPr/>
+        </p:nvSpPr>
+        <p:spPr>
+          <a:xfrm>
+            <a:off x="3193961" y="2434107"/>
+            <a:ext cx="5769735" cy="1661375"/>
+          </a:xfrm>
+          <a:prstGeom prst="rightArrow">
+            <a:avLst/>
+          </a:prstGeom>
+        </p:spPr>
+        <p:style>
+          <a:lnRef idx="2">
+            <a:schemeClr val="accent1">
+              <a:shade val="50000"/>
+            </a:schemeClr>
+          </a:lnRef>
+          <a:fillRef idx="1">
+            <a:schemeClr val="accent1"/>
+          </a:fillRef>
+          <a:effectRef idx="0">
+            <a:schemeClr val="accent1"/>
+          </a:effectRef>
+          <a:fontRef idx="minor">
+            <a:schemeClr val="lt1"/>
+          </a:fontRef>
+        </p:style>
+        <p:txBody>
+          <a:bodyPr rtlCol="0" anchor="ctr"/>
+          <a:lstStyle/>
+          <a:p>
+            <a:pPr algn="ctr"/>
+            <a:r>
+              <a:rPr lang="en-US" dirty="0" err="1" smtClean="0"/>
+              <a:t>FileOutStream</a:t>
+            </a:r>
+            <a:endParaRPr lang="en-IN" dirty="0"/>
+          </a:p>
+        </p:txBody>
+      </p:sp>
+      <p:sp>
+        <p:nvSpPr>
+          <p:cNvPr id="11" name="Left Arrow 10"/>
+          <p:cNvSpPr/>
+          <p:nvPr/>
+        </p:nvSpPr>
+        <p:spPr>
+          <a:xfrm>
+            <a:off x="3193961" y="4443211"/>
+            <a:ext cx="5769735" cy="1751527"/>
+          </a:xfrm>
+          <a:prstGeom prst="leftArrow">
+            <a:avLst/>
+          </a:prstGeom>
+        </p:spPr>
+        <p:style>
+          <a:lnRef idx="2">
+            <a:schemeClr val="accent1">
+              <a:shade val="50000"/>
+            </a:schemeClr>
+          </a:lnRef>
+          <a:fillRef idx="1">
+            <a:schemeClr val="accent1"/>
+          </a:fillRef>
+          <a:effectRef idx="0">
+            <a:schemeClr val="accent1"/>
+          </a:effectRef>
+          <a:fontRef idx="minor">
+            <a:schemeClr val="lt1"/>
+          </a:fontRef>
+        </p:style>
+        <p:txBody>
+          <a:bodyPr rtlCol="0" anchor="ctr"/>
+          <a:lstStyle/>
+          <a:p>
+            <a:pPr algn="ctr"/>
+            <a:r>
+              <a:rPr lang="en-US" dirty="0" err="1" smtClean="0"/>
+              <a:t>FileInputStream</a:t>
+            </a:r>
+            <a:endParaRPr lang="en-IN" dirty="0"/>
+          </a:p>
+        </p:txBody>
+      </p:sp>
+    </p:spTree>
+    <p:extLst>
+      <p:ext uri="{BB962C8B-B14F-4D97-AF65-F5344CB8AC3E}">
+        <p14:creationId xmlns:p14="http://schemas.microsoft.com/office/powerpoint/2010/main" val="3813303587"/>
       </p:ext>
     </p:extLst>
   </p:cSld>

--- a/Data Driven Framework.pptx
+++ b/Data Driven Framework.pptx
@@ -5696,7 +5696,7 @@
           <a:p>
             <a:fld id="{B405D095-1CBB-4395-BBA2-EBE5A1CC8813}" type="datetimeFigureOut">
               <a:rPr lang="en-IN" smtClean="0"/>
-              <a:t>10-12-2024</a:t>
+              <a:t>11-12-2024</a:t>
             </a:fld>
             <a:endParaRPr lang="en-IN"/>
           </a:p>
@@ -5971,7 +5971,7 @@
           <a:p>
             <a:fld id="{B405D095-1CBB-4395-BBA2-EBE5A1CC8813}" type="datetimeFigureOut">
               <a:rPr lang="en-IN" smtClean="0"/>
-              <a:t>10-12-2024</a:t>
+              <a:t>11-12-2024</a:t>
             </a:fld>
             <a:endParaRPr lang="en-IN"/>
           </a:p>
@@ -6165,7 +6165,7 @@
           <a:p>
             <a:fld id="{B405D095-1CBB-4395-BBA2-EBE5A1CC8813}" type="datetimeFigureOut">
               <a:rPr lang="en-IN" smtClean="0"/>
-              <a:t>10-12-2024</a:t>
+              <a:t>11-12-2024</a:t>
             </a:fld>
             <a:endParaRPr lang="en-IN"/>
           </a:p>
@@ -6438,7 +6438,7 @@
           <a:p>
             <a:fld id="{B405D095-1CBB-4395-BBA2-EBE5A1CC8813}" type="datetimeFigureOut">
               <a:rPr lang="en-IN" smtClean="0"/>
-              <a:t>10-12-2024</a:t>
+              <a:t>11-12-2024</a:t>
             </a:fld>
             <a:endParaRPr lang="en-IN"/>
           </a:p>
@@ -6779,7 +6779,7 @@
           <a:p>
             <a:fld id="{B405D095-1CBB-4395-BBA2-EBE5A1CC8813}" type="datetimeFigureOut">
               <a:rPr lang="en-IN" smtClean="0"/>
-              <a:t>10-12-2024</a:t>
+              <a:t>11-12-2024</a:t>
             </a:fld>
             <a:endParaRPr lang="en-IN"/>
           </a:p>
@@ -7402,7 +7402,7 @@
           <a:p>
             <a:fld id="{B405D095-1CBB-4395-BBA2-EBE5A1CC8813}" type="datetimeFigureOut">
               <a:rPr lang="en-IN" smtClean="0"/>
-              <a:t>10-12-2024</a:t>
+              <a:t>11-12-2024</a:t>
             </a:fld>
             <a:endParaRPr lang="en-IN"/>
           </a:p>
@@ -8262,7 +8262,7 @@
           <a:p>
             <a:fld id="{B405D095-1CBB-4395-BBA2-EBE5A1CC8813}" type="datetimeFigureOut">
               <a:rPr lang="en-IN" smtClean="0"/>
-              <a:t>10-12-2024</a:t>
+              <a:t>11-12-2024</a:t>
             </a:fld>
             <a:endParaRPr lang="en-IN"/>
           </a:p>
@@ -8432,7 +8432,7 @@
           <a:p>
             <a:fld id="{B405D095-1CBB-4395-BBA2-EBE5A1CC8813}" type="datetimeFigureOut">
               <a:rPr lang="en-IN" smtClean="0"/>
-              <a:t>10-12-2024</a:t>
+              <a:t>11-12-2024</a:t>
             </a:fld>
             <a:endParaRPr lang="en-IN"/>
           </a:p>
@@ -8612,7 +8612,7 @@
           <a:p>
             <a:fld id="{B405D095-1CBB-4395-BBA2-EBE5A1CC8813}" type="datetimeFigureOut">
               <a:rPr lang="en-IN" smtClean="0"/>
-              <a:t>10-12-2024</a:t>
+              <a:t>11-12-2024</a:t>
             </a:fld>
             <a:endParaRPr lang="en-IN"/>
           </a:p>
@@ -8782,7 +8782,7 @@
           <a:p>
             <a:fld id="{B405D095-1CBB-4395-BBA2-EBE5A1CC8813}" type="datetimeFigureOut">
               <a:rPr lang="en-IN" smtClean="0"/>
-              <a:t>10-12-2024</a:t>
+              <a:t>11-12-2024</a:t>
             </a:fld>
             <a:endParaRPr lang="en-IN"/>
           </a:p>
@@ -9029,7 +9029,7 @@
           <a:p>
             <a:fld id="{B405D095-1CBB-4395-BBA2-EBE5A1CC8813}" type="datetimeFigureOut">
               <a:rPr lang="en-IN" smtClean="0"/>
-              <a:t>10-12-2024</a:t>
+              <a:t>11-12-2024</a:t>
             </a:fld>
             <a:endParaRPr lang="en-IN"/>
           </a:p>
@@ -9321,7 +9321,7 @@
           <a:p>
             <a:fld id="{B405D095-1CBB-4395-BBA2-EBE5A1CC8813}" type="datetimeFigureOut">
               <a:rPr lang="en-IN" smtClean="0"/>
-              <a:t>10-12-2024</a:t>
+              <a:t>11-12-2024</a:t>
             </a:fld>
             <a:endParaRPr lang="en-IN"/>
           </a:p>
@@ -9765,7 +9765,7 @@
           <a:p>
             <a:fld id="{B405D095-1CBB-4395-BBA2-EBE5A1CC8813}" type="datetimeFigureOut">
               <a:rPr lang="en-IN" smtClean="0"/>
-              <a:t>10-12-2024</a:t>
+              <a:t>11-12-2024</a:t>
             </a:fld>
             <a:endParaRPr lang="en-IN"/>
           </a:p>
@@ -9883,7 +9883,7 @@
           <a:p>
             <a:fld id="{B405D095-1CBB-4395-BBA2-EBE5A1CC8813}" type="datetimeFigureOut">
               <a:rPr lang="en-IN" smtClean="0"/>
-              <a:t>10-12-2024</a:t>
+              <a:t>11-12-2024</a:t>
             </a:fld>
             <a:endParaRPr lang="en-IN"/>
           </a:p>
@@ -9978,7 +9978,7 @@
           <a:p>
             <a:fld id="{B405D095-1CBB-4395-BBA2-EBE5A1CC8813}" type="datetimeFigureOut">
               <a:rPr lang="en-IN" smtClean="0"/>
-              <a:t>10-12-2024</a:t>
+              <a:t>11-12-2024</a:t>
             </a:fld>
             <a:endParaRPr lang="en-IN"/>
           </a:p>
@@ -10257,7 +10257,7 @@
           <a:p>
             <a:fld id="{B405D095-1CBB-4395-BBA2-EBE5A1CC8813}" type="datetimeFigureOut">
               <a:rPr lang="en-IN" smtClean="0"/>
-              <a:t>10-12-2024</a:t>
+              <a:t>11-12-2024</a:t>
             </a:fld>
             <a:endParaRPr lang="en-IN"/>
           </a:p>
@@ -10532,7 +10532,7 @@
           <a:p>
             <a:fld id="{B405D095-1CBB-4395-BBA2-EBE5A1CC8813}" type="datetimeFigureOut">
               <a:rPr lang="en-IN" smtClean="0"/>
-              <a:t>10-12-2024</a:t>
+              <a:t>11-12-2024</a:t>
             </a:fld>
             <a:endParaRPr lang="en-IN"/>
           </a:p>
@@ -10961,7 +10961,7 @@
           <a:p>
             <a:fld id="{B405D095-1CBB-4395-BBA2-EBE5A1CC8813}" type="datetimeFigureOut">
               <a:rPr lang="en-IN" smtClean="0"/>
-              <a:t>10-12-2024</a:t>
+              <a:t>11-12-2024</a:t>
             </a:fld>
             <a:endParaRPr lang="en-IN"/>
           </a:p>
@@ -12109,22 +12109,13 @@
             </a:r>
             <a:r>
               <a:rPr lang="en-US" dirty="0" smtClean="0"/>
-              <a:t> </a:t>
-            </a:r>
+              <a:t> lecture (Selenium Jar Files)</a:t>
+            </a:r>
+          </a:p>
+          <a:p>
             <a:r>
               <a:rPr lang="en-US" dirty="0" smtClean="0"/>
-              <a:t>lecture (Selenium Jar Files)</a:t>
-            </a:r>
-            <a:endParaRPr lang="en-US" dirty="0" smtClean="0"/>
-          </a:p>
-          <a:p>
-            <a:r>
-              <a:rPr lang="en-US" dirty="0" smtClean="0"/>
-              <a:t>And Unzip / Extract this zip </a:t>
-            </a:r>
-            <a:r>
-              <a:rPr lang="en-US" dirty="0" smtClean="0"/>
-              <a:t>file</a:t>
+              <a:t>And Unzip / Extract this zip file</a:t>
             </a:r>
           </a:p>
           <a:p>
